--- a/material/create_summary/pdf/Test1/a/20221128/岡田健之_20221128.pptx
+++ b/material/create_summary/pdf/Test1/a/20221128/岡田健之_20221128.pptx
@@ -203,7 +203,7 @@
           <a:p>
             <a:fld id="{A8D419FE-C60C-4E24-8B4C-1AF8859A1D1C}" type="datetimeFigureOut">
               <a:rPr kumimoji="1" lang="ja-JP" altLang="en-US" smtClean="0"/>
-              <a:t>2022/12/11</a:t>
+              <a:t>2022/12/12</a:t>
             </a:fld>
             <a:endParaRPr kumimoji="1" lang="ja-JP" altLang="en-US"/>
           </a:p>
@@ -726,9 +726,9 @@
           <a:bodyPr/>
           <a:lstStyle/>
           <a:p>
-            <a:fld id="{26E5E938-EB1B-4C51-9BC0-AFBE9261FEE5}" type="datetime1">
+            <a:fld id="{6E3035AE-5270-404A-B920-7C811BB4F062}" type="datetime1">
               <a:rPr kumimoji="1" lang="ja-JP" altLang="en-US" smtClean="0"/>
-              <a:t>2022/12/11</a:t>
+              <a:t>2022/12/12</a:t>
             </a:fld>
             <a:endParaRPr kumimoji="1" lang="ja-JP" altLang="en-US"/>
           </a:p>
@@ -751,10 +751,8 @@
           <a:p>
             <a:r>
               <a:rPr kumimoji="1" lang="en-US" altLang="ja-JP"/>
-              <a:t>Precision Mechatronics Systems Laboratory</a:t>
-            </a:r>
-          </a:p>
-          <a:p>
+              <a:t>Test1</a:t>
+            </a:r>
             <a:endParaRPr kumimoji="1" lang="ja-JP" altLang="en-US" dirty="0"/>
           </a:p>
         </p:txBody>
@@ -977,9 +975,9 @@
           <a:bodyPr/>
           <a:lstStyle/>
           <a:p>
-            <a:fld id="{A0FE27A5-F631-44AF-B529-98F2BF2D8A02}" type="datetime1">
+            <a:fld id="{1CF77304-C745-40C2-8B0F-F9A012209022}" type="datetime1">
               <a:rPr kumimoji="1" lang="ja-JP" altLang="en-US" smtClean="0"/>
-              <a:t>2022/12/11</a:t>
+              <a:t>2022/12/12</a:t>
             </a:fld>
             <a:endParaRPr kumimoji="1" lang="ja-JP" altLang="en-US"/>
           </a:p>
@@ -1002,10 +1000,8 @@
           <a:p>
             <a:r>
               <a:rPr kumimoji="1" lang="en-US" altLang="ja-JP"/>
-              <a:t>Precision Mechatronics Systems Laboratory</a:t>
-            </a:r>
-          </a:p>
-          <a:p>
+              <a:t>Test1</a:t>
+            </a:r>
             <a:endParaRPr kumimoji="1" lang="ja-JP" altLang="en-US" dirty="0"/>
           </a:p>
         </p:txBody>
@@ -1272,9 +1268,9 @@
           <a:bodyPr/>
           <a:lstStyle/>
           <a:p>
-            <a:fld id="{233207AB-1FFA-411B-8CB7-1BDE9575E18C}" type="datetime1">
+            <a:fld id="{83403F62-04C0-432F-9CC5-D0F085CACB22}" type="datetime1">
               <a:rPr kumimoji="1" lang="ja-JP" altLang="en-US" smtClean="0"/>
-              <a:t>2022/12/11</a:t>
+              <a:t>2022/12/12</a:t>
             </a:fld>
             <a:endParaRPr kumimoji="1" lang="ja-JP" altLang="en-US"/>
           </a:p>
@@ -1297,10 +1293,8 @@
           <a:p>
             <a:r>
               <a:rPr kumimoji="1" lang="en-US" altLang="ja-JP"/>
-              <a:t>Precision Mechatronics Systems Laboratory</a:t>
-            </a:r>
-          </a:p>
-          <a:p>
+              <a:t>Test1</a:t>
+            </a:r>
             <a:endParaRPr kumimoji="1" lang="ja-JP" altLang="en-US" dirty="0"/>
           </a:p>
         </p:txBody>
@@ -1499,9 +1493,9 @@
           <a:bodyPr/>
           <a:lstStyle/>
           <a:p>
-            <a:fld id="{3C43DD58-5E44-4F0A-9FB6-4861AE2D33D8}" type="datetime1">
+            <a:fld id="{C7A0D924-96C4-4D78-8294-FA9136AA1E1C}" type="datetime1">
               <a:rPr kumimoji="1" lang="ja-JP" altLang="en-US" smtClean="0"/>
-              <a:t>2022/12/11</a:t>
+              <a:t>2022/12/12</a:t>
             </a:fld>
             <a:endParaRPr kumimoji="1" lang="ja-JP" altLang="en-US"/>
           </a:p>
@@ -1524,10 +1518,8 @@
           <a:p>
             <a:r>
               <a:rPr kumimoji="1" lang="en-US" altLang="ja-JP"/>
-              <a:t>Precision Mechatronics Systems Laboratory</a:t>
-            </a:r>
-          </a:p>
-          <a:p>
+              <a:t>Test1</a:t>
+            </a:r>
             <a:endParaRPr kumimoji="1" lang="ja-JP" altLang="en-US" dirty="0"/>
           </a:p>
         </p:txBody>
@@ -1849,9 +1841,9 @@
           <a:bodyPr/>
           <a:lstStyle/>
           <a:p>
-            <a:fld id="{4454EA31-3960-45BB-8DED-9CED9FA023E3}" type="datetime1">
+            <a:fld id="{A5F7083F-EE76-4BB2-B72E-6FC91EC07D83}" type="datetime1">
               <a:rPr kumimoji="1" lang="ja-JP" altLang="en-US" smtClean="0"/>
-              <a:t>2022/12/11</a:t>
+              <a:t>2022/12/12</a:t>
             </a:fld>
             <a:endParaRPr kumimoji="1" lang="ja-JP" altLang="en-US"/>
           </a:p>
@@ -1874,10 +1866,8 @@
           <a:p>
             <a:r>
               <a:rPr kumimoji="1" lang="en-US" altLang="ja-JP"/>
-              <a:t>Precision Mechatronics Systems Laboratory</a:t>
-            </a:r>
-          </a:p>
-          <a:p>
+              <a:t>Test1</a:t>
+            </a:r>
             <a:endParaRPr kumimoji="1" lang="ja-JP" altLang="en-US" dirty="0"/>
           </a:p>
         </p:txBody>
@@ -2195,9 +2185,9 @@
           <a:bodyPr/>
           <a:lstStyle/>
           <a:p>
-            <a:fld id="{F8819406-D2EF-430C-BD02-0E24BF37C6DF}" type="datetime1">
+            <a:fld id="{5E254DF5-3FC7-4B8F-A4DA-F768C975E7CA}" type="datetime1">
               <a:rPr kumimoji="1" lang="ja-JP" altLang="en-US" smtClean="0"/>
-              <a:t>2022/12/11</a:t>
+              <a:t>2022/12/12</a:t>
             </a:fld>
             <a:endParaRPr kumimoji="1" lang="ja-JP" altLang="en-US"/>
           </a:p>
@@ -2220,10 +2210,8 @@
           <a:p>
             <a:r>
               <a:rPr kumimoji="1" lang="en-US" altLang="ja-JP"/>
-              <a:t>Precision Mechatronics Systems Laboratory</a:t>
-            </a:r>
-          </a:p>
-          <a:p>
+              <a:t>Test1</a:t>
+            </a:r>
             <a:endParaRPr kumimoji="1" lang="ja-JP" altLang="en-US" dirty="0"/>
           </a:p>
         </p:txBody>
@@ -2645,9 +2633,9 @@
           <a:bodyPr/>
           <a:lstStyle/>
           <a:p>
-            <a:fld id="{AE355A88-06D4-4F0D-9535-CFCEA6E90834}" type="datetime1">
+            <a:fld id="{3A4C0770-CF59-45DB-9F34-D409A178F258}" type="datetime1">
               <a:rPr kumimoji="1" lang="ja-JP" altLang="en-US" smtClean="0"/>
-              <a:t>2022/12/11</a:t>
+              <a:t>2022/12/12</a:t>
             </a:fld>
             <a:endParaRPr kumimoji="1" lang="ja-JP" altLang="en-US"/>
           </a:p>
@@ -2670,10 +2658,8 @@
           <a:p>
             <a:r>
               <a:rPr kumimoji="1" lang="en-US" altLang="ja-JP"/>
-              <a:t>Precision Mechatronics Systems Laboratory</a:t>
-            </a:r>
-          </a:p>
-          <a:p>
+              <a:t>Test1</a:t>
+            </a:r>
             <a:endParaRPr kumimoji="1" lang="ja-JP" altLang="en-US" dirty="0"/>
           </a:p>
         </p:txBody>
@@ -2770,9 +2756,9 @@
           <a:bodyPr/>
           <a:lstStyle/>
           <a:p>
-            <a:fld id="{C7EB837E-110F-4887-921A-D999AEBE860D}" type="datetime1">
+            <a:fld id="{F249369C-F4C4-440E-87B9-55600FA1760A}" type="datetime1">
               <a:rPr kumimoji="1" lang="ja-JP" altLang="en-US" smtClean="0"/>
-              <a:t>2022/12/11</a:t>
+              <a:t>2022/12/12</a:t>
             </a:fld>
             <a:endParaRPr kumimoji="1" lang="ja-JP" altLang="en-US"/>
           </a:p>
@@ -2795,10 +2781,8 @@
           <a:p>
             <a:r>
               <a:rPr kumimoji="1" lang="en-US" altLang="ja-JP"/>
-              <a:t>Precision Mechatronics Systems Laboratory</a:t>
-            </a:r>
-          </a:p>
-          <a:p>
+              <a:t>Test1</a:t>
+            </a:r>
             <a:endParaRPr kumimoji="1" lang="ja-JP" altLang="en-US" dirty="0"/>
           </a:p>
         </p:txBody>
@@ -2948,9 +2932,9 @@
           <a:bodyPr/>
           <a:lstStyle/>
           <a:p>
-            <a:fld id="{D923E8EA-E8E9-44E2-9AAA-C95DA90BC02B}" type="datetime1">
+            <a:fld id="{738F86AC-8292-42DF-9863-EC10E6004577}" type="datetime1">
               <a:rPr kumimoji="1" lang="ja-JP" altLang="en-US" smtClean="0"/>
-              <a:t>2022/12/11</a:t>
+              <a:t>2022/12/12</a:t>
             </a:fld>
             <a:endParaRPr kumimoji="1" lang="ja-JP" altLang="en-US"/>
           </a:p>
@@ -2981,10 +2965,8 @@
           <a:p>
             <a:r>
               <a:rPr kumimoji="1" lang="en-US" altLang="ja-JP"/>
-              <a:t>Precision Mechatronics Systems Laboratory</a:t>
-            </a:r>
-          </a:p>
-          <a:p>
+              <a:t>Test1</a:t>
+            </a:r>
             <a:endParaRPr kumimoji="1" lang="ja-JP" altLang="en-US" dirty="0"/>
           </a:p>
         </p:txBody>
@@ -3341,9 +3323,9 @@
             </a:lvl1pPr>
           </a:lstStyle>
           <a:p>
-            <a:fld id="{30864409-F725-4558-88D0-73EA1B5EF065}" type="datetime1">
+            <a:fld id="{8B82C495-D86A-4237-A6F5-B8ECE82363E8}" type="datetime1">
               <a:rPr kumimoji="1" lang="ja-JP" altLang="en-US" smtClean="0"/>
-              <a:t>2022/12/11</a:t>
+              <a:t>2022/12/12</a:t>
             </a:fld>
             <a:endParaRPr kumimoji="1" lang="ja-JP" altLang="en-US"/>
           </a:p>
@@ -3379,10 +3361,8 @@
           <a:p>
             <a:r>
               <a:rPr kumimoji="1" lang="en-US" altLang="ja-JP"/>
-              <a:t>Precision Mechatronics Systems Laboratory</a:t>
-            </a:r>
-          </a:p>
-          <a:p>
+              <a:t>Test1</a:t>
+            </a:r>
             <a:endParaRPr kumimoji="1" lang="ja-JP" altLang="en-US" dirty="0"/>
           </a:p>
         </p:txBody>
@@ -3725,9 +3705,9 @@
           <a:bodyPr/>
           <a:lstStyle/>
           <a:p>
-            <a:fld id="{EA61E452-CDC9-4F07-9A87-4280EDE323FF}" type="datetime1">
+            <a:fld id="{4F5B31D9-8450-4D17-AD7F-124FE33B1C26}" type="datetime1">
               <a:rPr kumimoji="1" lang="ja-JP" altLang="en-US" smtClean="0"/>
-              <a:t>2022/12/11</a:t>
+              <a:t>2022/12/12</a:t>
             </a:fld>
             <a:endParaRPr kumimoji="1" lang="ja-JP" altLang="en-US"/>
           </a:p>
@@ -3750,10 +3730,8 @@
           <a:p>
             <a:r>
               <a:rPr kumimoji="1" lang="en-US" altLang="ja-JP"/>
-              <a:t>Precision Mechatronics Systems Laboratory</a:t>
-            </a:r>
-          </a:p>
-          <a:p>
+              <a:t>Test1</a:t>
+            </a:r>
             <a:endParaRPr kumimoji="1" lang="ja-JP" altLang="en-US" dirty="0"/>
           </a:p>
         </p:txBody>
@@ -4051,9 +4029,9 @@
             </a:lvl1pPr>
           </a:lstStyle>
           <a:p>
-            <a:fld id="{60FF1E76-C78C-471F-B92F-BF572AFBA7B0}" type="datetime1">
+            <a:fld id="{62AD87F7-A1A7-4C97-8BE4-0BBABBCDCA90}" type="datetime1">
               <a:rPr kumimoji="1" lang="ja-JP" altLang="en-US" smtClean="0"/>
-              <a:t>2022/12/11</a:t>
+              <a:t>2022/12/12</a:t>
             </a:fld>
             <a:endParaRPr kumimoji="1" lang="ja-JP" altLang="en-US"/>
           </a:p>
@@ -4092,10 +4070,8 @@
           <a:p>
             <a:r>
               <a:rPr kumimoji="1" lang="en-US" altLang="ja-JP"/>
-              <a:t>Precision Mechatronics Systems Laboratory</a:t>
-            </a:r>
-          </a:p>
-          <a:p>
+              <a:t>Test1</a:t>
+            </a:r>
             <a:endParaRPr kumimoji="1" lang="ja-JP" altLang="en-US" dirty="0"/>
           </a:p>
         </p:txBody>
@@ -4812,10 +4788,8 @@
           <a:p>
             <a:r>
               <a:rPr kumimoji="1" lang="en-US" altLang="ja-JP"/>
-              <a:t>Precision Mechatronics Systems Laboratory</a:t>
-            </a:r>
-          </a:p>
-          <a:p>
+              <a:t>Test1</a:t>
+            </a:r>
             <a:endParaRPr kumimoji="1" lang="ja-JP" altLang="en-US" dirty="0"/>
           </a:p>
         </p:txBody>
@@ -4961,10 +4935,8 @@
           <a:p>
             <a:r>
               <a:rPr kumimoji="1" lang="en-US" altLang="ja-JP"/>
-              <a:t>Precision Mechatronics Systems Laboratory</a:t>
-            </a:r>
-          </a:p>
-          <a:p>
+              <a:t>Test1</a:t>
+            </a:r>
             <a:endParaRPr kumimoji="1" lang="ja-JP" altLang="en-US" dirty="0"/>
           </a:p>
         </p:txBody>
@@ -5128,10 +5100,8 @@
           <a:p>
             <a:r>
               <a:rPr kumimoji="1" lang="en-US" altLang="ja-JP"/>
-              <a:t>Precision Mechatronics Systems Laboratory</a:t>
-            </a:r>
-          </a:p>
-          <a:p>
+              <a:t>Test1</a:t>
+            </a:r>
             <a:endParaRPr kumimoji="1" lang="ja-JP" altLang="en-US" dirty="0"/>
           </a:p>
         </p:txBody>
@@ -5276,10 +5246,8 @@
           <a:p>
             <a:r>
               <a:rPr kumimoji="1" lang="en-US" altLang="ja-JP"/>
-              <a:t>Precision Mechatronics Systems Laboratory</a:t>
-            </a:r>
-          </a:p>
-          <a:p>
+              <a:t>Test1</a:t>
+            </a:r>
             <a:endParaRPr kumimoji="1" lang="ja-JP" altLang="en-US" dirty="0"/>
           </a:p>
         </p:txBody>
@@ -5425,10 +5393,8 @@
           <a:p>
             <a:r>
               <a:rPr kumimoji="1" lang="en-US" altLang="ja-JP"/>
-              <a:t>Precision Mechatronics Systems Laboratory</a:t>
-            </a:r>
-          </a:p>
-          <a:p>
+              <a:t>Test1</a:t>
+            </a:r>
             <a:endParaRPr kumimoji="1" lang="ja-JP" altLang="en-US" dirty="0"/>
           </a:p>
         </p:txBody>
@@ -5574,10 +5540,8 @@
           <a:p>
             <a:r>
               <a:rPr kumimoji="1" lang="en-US" altLang="ja-JP"/>
-              <a:t>Precision Mechatronics Systems Laboratory</a:t>
-            </a:r>
-          </a:p>
-          <a:p>
+              <a:t>Test1</a:t>
+            </a:r>
             <a:endParaRPr kumimoji="1" lang="ja-JP" altLang="en-US" dirty="0"/>
           </a:p>
         </p:txBody>
